--- a/vagrant-dev.pptx
+++ b/vagrant-dev.pptx
@@ -4,6 +4,9 @@
   <p:sldMasterIdLst>
     <p:sldMasterId id="2147483660" r:id="rId1"/>
   </p:sldMasterIdLst>
+  <p:notesMasterIdLst>
+    <p:notesMasterId r:id="rId8"/>
+  </p:notesMasterIdLst>
   <p:sldIdLst>
     <p:sldId id="256" r:id="rId2"/>
     <p:sldId id="257" r:id="rId3"/>
@@ -109,7 +112,541 @@
       </a:defRPr>
     </a:lvl9pPr>
   </p:defaultTextStyle>
+  <p:extLst>
+    <p:ext uri="{EFAFB233-063F-42B5-8137-9DF3F51BA10A}">
+      <p15:sldGuideLst xmlns:p15="http://schemas.microsoft.com/office/powerpoint/2012/main">
+        <p15:guide id="1" orient="horz" pos="2160">
+          <p15:clr>
+            <a:srgbClr val="A4A3A4"/>
+          </p15:clr>
+        </p15:guide>
+        <p15:guide id="2" pos="2880">
+          <p15:clr>
+            <a:srgbClr val="A4A3A4"/>
+          </p15:clr>
+        </p15:guide>
+      </p15:sldGuideLst>
+    </p:ext>
+  </p:extLst>
 </p:presentation>
+</file>
+
+<file path=ppt/notesMasters/notesMaster1.xml><?xml version="1.0" encoding="utf-8"?>
+<p:notesMaster xmlns:a="http://schemas.openxmlformats.org/drawingml/2006/main" xmlns:r="http://schemas.openxmlformats.org/officeDocument/2006/relationships" xmlns:p="http://schemas.openxmlformats.org/presentationml/2006/main">
+  <p:cSld>
+    <p:bg>
+      <p:bgRef idx="1001">
+        <a:schemeClr val="bg1"/>
+      </p:bgRef>
+    </p:bg>
+    <p:spTree>
+      <p:nvGrpSpPr>
+        <p:cNvPr id="1" name=""/>
+        <p:cNvGrpSpPr/>
+        <p:nvPr/>
+      </p:nvGrpSpPr>
+      <p:grpSpPr>
+        <a:xfrm>
+          <a:off x="0" y="0"/>
+          <a:ext cx="0" cy="0"/>
+          <a:chOff x="0" y="0"/>
+          <a:chExt cx="0" cy="0"/>
+        </a:xfrm>
+      </p:grpSpPr>
+      <p:sp>
+        <p:nvSpPr>
+          <p:cNvPr id="2" name="Header Placeholder 1"/>
+          <p:cNvSpPr>
+            <a:spLocks noGrp="1"/>
+          </p:cNvSpPr>
+          <p:nvPr>
+            <p:ph type="hdr" sz="quarter"/>
+          </p:nvPr>
+        </p:nvSpPr>
+        <p:spPr>
+          <a:xfrm>
+            <a:off x="0" y="0"/>
+            <a:ext cx="2971800" cy="458788"/>
+          </a:xfrm>
+          <a:prstGeom prst="rect">
+            <a:avLst/>
+          </a:prstGeom>
+        </p:spPr>
+        <p:txBody>
+          <a:bodyPr vert="horz" lIns="91440" tIns="45720" rIns="91440" bIns="45720" rtlCol="0"/>
+          <a:lstStyle>
+            <a:lvl1pPr algn="l">
+              <a:defRPr sz="1200"/>
+            </a:lvl1pPr>
+          </a:lstStyle>
+          <a:p>
+            <a:endParaRPr lang="en-US"/>
+          </a:p>
+        </p:txBody>
+      </p:sp>
+      <p:sp>
+        <p:nvSpPr>
+          <p:cNvPr id="3" name="Date Placeholder 2"/>
+          <p:cNvSpPr>
+            <a:spLocks noGrp="1"/>
+          </p:cNvSpPr>
+          <p:nvPr>
+            <p:ph type="dt" idx="1"/>
+          </p:nvPr>
+        </p:nvSpPr>
+        <p:spPr>
+          <a:xfrm>
+            <a:off x="3884613" y="0"/>
+            <a:ext cx="2971800" cy="458788"/>
+          </a:xfrm>
+          <a:prstGeom prst="rect">
+            <a:avLst/>
+          </a:prstGeom>
+        </p:spPr>
+        <p:txBody>
+          <a:bodyPr vert="horz" lIns="91440" tIns="45720" rIns="91440" bIns="45720" rtlCol="0"/>
+          <a:lstStyle>
+            <a:lvl1pPr algn="r">
+              <a:defRPr sz="1200"/>
+            </a:lvl1pPr>
+          </a:lstStyle>
+          <a:p>
+            <a:fld id="{FCBFB0A7-8699-2141-9850-A29026EB004D}" type="datetimeFigureOut">
+              <a:rPr lang="en-US" smtClean="0"/>
+              <a:t>7/12/16</a:t>
+            </a:fld>
+            <a:endParaRPr lang="en-US"/>
+          </a:p>
+        </p:txBody>
+      </p:sp>
+      <p:sp>
+        <p:nvSpPr>
+          <p:cNvPr id="4" name="Slide Image Placeholder 3"/>
+          <p:cNvSpPr>
+            <a:spLocks noGrp="1" noRot="1" noChangeAspect="1"/>
+          </p:cNvSpPr>
+          <p:nvPr>
+            <p:ph type="sldImg" idx="2"/>
+          </p:nvPr>
+        </p:nvSpPr>
+        <p:spPr>
+          <a:xfrm>
+            <a:off x="1371600" y="1143000"/>
+            <a:ext cx="4114800" cy="3086100"/>
+          </a:xfrm>
+          <a:prstGeom prst="rect">
+            <a:avLst/>
+          </a:prstGeom>
+          <a:noFill/>
+          <a:ln w="12700">
+            <a:solidFill>
+              <a:prstClr val="black"/>
+            </a:solidFill>
+          </a:ln>
+        </p:spPr>
+        <p:txBody>
+          <a:bodyPr vert="horz" lIns="91440" tIns="45720" rIns="91440" bIns="45720" rtlCol="0" anchor="ctr"/>
+          <a:lstStyle/>
+          <a:p>
+            <a:endParaRPr lang="en-US"/>
+          </a:p>
+        </p:txBody>
+      </p:sp>
+      <p:sp>
+        <p:nvSpPr>
+          <p:cNvPr id="5" name="Notes Placeholder 4"/>
+          <p:cNvSpPr>
+            <a:spLocks noGrp="1"/>
+          </p:cNvSpPr>
+          <p:nvPr>
+            <p:ph type="body" sz="quarter" idx="3"/>
+          </p:nvPr>
+        </p:nvSpPr>
+        <p:spPr>
+          <a:xfrm>
+            <a:off x="685800" y="4400550"/>
+            <a:ext cx="5486400" cy="3600450"/>
+          </a:xfrm>
+          <a:prstGeom prst="rect">
+            <a:avLst/>
+          </a:prstGeom>
+        </p:spPr>
+        <p:txBody>
+          <a:bodyPr vert="horz" lIns="91440" tIns="45720" rIns="91440" bIns="45720" rtlCol="0"/>
+          <a:lstStyle/>
+          <a:p>
+            <a:pPr lvl="0"/>
+            <a:r>
+              <a:rPr lang="en-US" smtClean="0"/>
+              <a:t>Click to edit Master text styles</a:t>
+            </a:r>
+          </a:p>
+          <a:p>
+            <a:pPr lvl="1"/>
+            <a:r>
+              <a:rPr lang="en-US" smtClean="0"/>
+              <a:t>Second level</a:t>
+            </a:r>
+          </a:p>
+          <a:p>
+            <a:pPr lvl="2"/>
+            <a:r>
+              <a:rPr lang="en-US" smtClean="0"/>
+              <a:t>Third level</a:t>
+            </a:r>
+          </a:p>
+          <a:p>
+            <a:pPr lvl="3"/>
+            <a:r>
+              <a:rPr lang="en-US" smtClean="0"/>
+              <a:t>Fourth level</a:t>
+            </a:r>
+          </a:p>
+          <a:p>
+            <a:pPr lvl="4"/>
+            <a:r>
+              <a:rPr lang="en-US" smtClean="0"/>
+              <a:t>Fifth level</a:t>
+            </a:r>
+            <a:endParaRPr lang="en-US"/>
+          </a:p>
+        </p:txBody>
+      </p:sp>
+      <p:sp>
+        <p:nvSpPr>
+          <p:cNvPr id="6" name="Footer Placeholder 5"/>
+          <p:cNvSpPr>
+            <a:spLocks noGrp="1"/>
+          </p:cNvSpPr>
+          <p:nvPr>
+            <p:ph type="ftr" sz="quarter" idx="4"/>
+          </p:nvPr>
+        </p:nvSpPr>
+        <p:spPr>
+          <a:xfrm>
+            <a:off x="0" y="8685213"/>
+            <a:ext cx="2971800" cy="458787"/>
+          </a:xfrm>
+          <a:prstGeom prst="rect">
+            <a:avLst/>
+          </a:prstGeom>
+        </p:spPr>
+        <p:txBody>
+          <a:bodyPr vert="horz" lIns="91440" tIns="45720" rIns="91440" bIns="45720" rtlCol="0" anchor="b"/>
+          <a:lstStyle>
+            <a:lvl1pPr algn="l">
+              <a:defRPr sz="1200"/>
+            </a:lvl1pPr>
+          </a:lstStyle>
+          <a:p>
+            <a:endParaRPr lang="en-US"/>
+          </a:p>
+        </p:txBody>
+      </p:sp>
+      <p:sp>
+        <p:nvSpPr>
+          <p:cNvPr id="7" name="Slide Number Placeholder 6"/>
+          <p:cNvSpPr>
+            <a:spLocks noGrp="1"/>
+          </p:cNvSpPr>
+          <p:nvPr>
+            <p:ph type="sldNum" sz="quarter" idx="5"/>
+          </p:nvPr>
+        </p:nvSpPr>
+        <p:spPr>
+          <a:xfrm>
+            <a:off x="3884613" y="8685213"/>
+            <a:ext cx="2971800" cy="458787"/>
+          </a:xfrm>
+          <a:prstGeom prst="rect">
+            <a:avLst/>
+          </a:prstGeom>
+        </p:spPr>
+        <p:txBody>
+          <a:bodyPr vert="horz" lIns="91440" tIns="45720" rIns="91440" bIns="45720" rtlCol="0" anchor="b"/>
+          <a:lstStyle>
+            <a:lvl1pPr algn="r">
+              <a:defRPr sz="1200"/>
+            </a:lvl1pPr>
+          </a:lstStyle>
+          <a:p>
+            <a:fld id="{B444FF18-A361-3245-9FB5-5FF826C8226B}" type="slidenum">
+              <a:rPr lang="en-US" smtClean="0"/>
+              <a:t>‹#›</a:t>
+            </a:fld>
+            <a:endParaRPr lang="en-US"/>
+          </a:p>
+        </p:txBody>
+      </p:sp>
+    </p:spTree>
+    <p:extLst>
+      <p:ext uri="{BB962C8B-B14F-4D97-AF65-F5344CB8AC3E}">
+        <p14:creationId xmlns:p14="http://schemas.microsoft.com/office/powerpoint/2010/main" val="1012717208"/>
+      </p:ext>
+    </p:extLst>
+  </p:cSld>
+  <p:clrMap bg1="lt1" tx1="dk1" bg2="lt2" tx2="dk2" accent1="accent1" accent2="accent2" accent3="accent3" accent4="accent4" accent5="accent5" accent6="accent6" hlink="hlink" folHlink="folHlink"/>
+  <p:notesStyle>
+    <a:lvl1pPr marL="0" algn="l" defTabSz="914400" rtl="0" eaLnBrk="1" latinLnBrk="0" hangingPunct="1">
+      <a:defRPr sz="1200" kern="1200">
+        <a:solidFill>
+          <a:schemeClr val="tx1"/>
+        </a:solidFill>
+        <a:latin typeface="+mn-lt"/>
+        <a:ea typeface="+mn-ea"/>
+        <a:cs typeface="+mn-cs"/>
+      </a:defRPr>
+    </a:lvl1pPr>
+    <a:lvl2pPr marL="457200" algn="l" defTabSz="914400" rtl="0" eaLnBrk="1" latinLnBrk="0" hangingPunct="1">
+      <a:defRPr sz="1200" kern="1200">
+        <a:solidFill>
+          <a:schemeClr val="tx1"/>
+        </a:solidFill>
+        <a:latin typeface="+mn-lt"/>
+        <a:ea typeface="+mn-ea"/>
+        <a:cs typeface="+mn-cs"/>
+      </a:defRPr>
+    </a:lvl2pPr>
+    <a:lvl3pPr marL="914400" algn="l" defTabSz="914400" rtl="0" eaLnBrk="1" latinLnBrk="0" hangingPunct="1">
+      <a:defRPr sz="1200" kern="1200">
+        <a:solidFill>
+          <a:schemeClr val="tx1"/>
+        </a:solidFill>
+        <a:latin typeface="+mn-lt"/>
+        <a:ea typeface="+mn-ea"/>
+        <a:cs typeface="+mn-cs"/>
+      </a:defRPr>
+    </a:lvl3pPr>
+    <a:lvl4pPr marL="1371600" algn="l" defTabSz="914400" rtl="0" eaLnBrk="1" latinLnBrk="0" hangingPunct="1">
+      <a:defRPr sz="1200" kern="1200">
+        <a:solidFill>
+          <a:schemeClr val="tx1"/>
+        </a:solidFill>
+        <a:latin typeface="+mn-lt"/>
+        <a:ea typeface="+mn-ea"/>
+        <a:cs typeface="+mn-cs"/>
+      </a:defRPr>
+    </a:lvl4pPr>
+    <a:lvl5pPr marL="1828800" algn="l" defTabSz="914400" rtl="0" eaLnBrk="1" latinLnBrk="0" hangingPunct="1">
+      <a:defRPr sz="1200" kern="1200">
+        <a:solidFill>
+          <a:schemeClr val="tx1"/>
+        </a:solidFill>
+        <a:latin typeface="+mn-lt"/>
+        <a:ea typeface="+mn-ea"/>
+        <a:cs typeface="+mn-cs"/>
+      </a:defRPr>
+    </a:lvl5pPr>
+    <a:lvl6pPr marL="2286000" algn="l" defTabSz="914400" rtl="0" eaLnBrk="1" latinLnBrk="0" hangingPunct="1">
+      <a:defRPr sz="1200" kern="1200">
+        <a:solidFill>
+          <a:schemeClr val="tx1"/>
+        </a:solidFill>
+        <a:latin typeface="+mn-lt"/>
+        <a:ea typeface="+mn-ea"/>
+        <a:cs typeface="+mn-cs"/>
+      </a:defRPr>
+    </a:lvl6pPr>
+    <a:lvl7pPr marL="2743200" algn="l" defTabSz="914400" rtl="0" eaLnBrk="1" latinLnBrk="0" hangingPunct="1">
+      <a:defRPr sz="1200" kern="1200">
+        <a:solidFill>
+          <a:schemeClr val="tx1"/>
+        </a:solidFill>
+        <a:latin typeface="+mn-lt"/>
+        <a:ea typeface="+mn-ea"/>
+        <a:cs typeface="+mn-cs"/>
+      </a:defRPr>
+    </a:lvl7pPr>
+    <a:lvl8pPr marL="3200400" algn="l" defTabSz="914400" rtl="0" eaLnBrk="1" latinLnBrk="0" hangingPunct="1">
+      <a:defRPr sz="1200" kern="1200">
+        <a:solidFill>
+          <a:schemeClr val="tx1"/>
+        </a:solidFill>
+        <a:latin typeface="+mn-lt"/>
+        <a:ea typeface="+mn-ea"/>
+        <a:cs typeface="+mn-cs"/>
+      </a:defRPr>
+    </a:lvl8pPr>
+    <a:lvl9pPr marL="3657600" algn="l" defTabSz="914400" rtl="0" eaLnBrk="1" latinLnBrk="0" hangingPunct="1">
+      <a:defRPr sz="1200" kern="1200">
+        <a:solidFill>
+          <a:schemeClr val="tx1"/>
+        </a:solidFill>
+        <a:latin typeface="+mn-lt"/>
+        <a:ea typeface="+mn-ea"/>
+        <a:cs typeface="+mn-cs"/>
+      </a:defRPr>
+    </a:lvl9pPr>
+  </p:notesStyle>
+</p:notesMaster>
+</file>
+
+<file path=ppt/notesSlides/notesSlide1.xml><?xml version="1.0" encoding="utf-8"?>
+<p:notes xmlns:a="http://schemas.openxmlformats.org/drawingml/2006/main" xmlns:r="http://schemas.openxmlformats.org/officeDocument/2006/relationships" xmlns:p="http://schemas.openxmlformats.org/presentationml/2006/main">
+  <p:cSld>
+    <p:spTree>
+      <p:nvGrpSpPr>
+        <p:cNvPr id="1" name=""/>
+        <p:cNvGrpSpPr/>
+        <p:nvPr/>
+      </p:nvGrpSpPr>
+      <p:grpSpPr>
+        <a:xfrm>
+          <a:off x="0" y="0"/>
+          <a:ext cx="0" cy="0"/>
+          <a:chOff x="0" y="0"/>
+          <a:chExt cx="0" cy="0"/>
+        </a:xfrm>
+      </p:grpSpPr>
+      <p:sp>
+        <p:nvSpPr>
+          <p:cNvPr id="2" name="Slide Image Placeholder 1"/>
+          <p:cNvSpPr>
+            <a:spLocks noGrp="1" noRot="1" noChangeAspect="1"/>
+          </p:cNvSpPr>
+          <p:nvPr>
+            <p:ph type="sldImg"/>
+          </p:nvPr>
+        </p:nvSpPr>
+        <p:spPr/>
+      </p:sp>
+      <p:sp>
+        <p:nvSpPr>
+          <p:cNvPr id="3" name="Notes Placeholder 2"/>
+          <p:cNvSpPr>
+            <a:spLocks noGrp="1"/>
+          </p:cNvSpPr>
+          <p:nvPr>
+            <p:ph type="body" idx="1"/>
+          </p:nvPr>
+        </p:nvSpPr>
+        <p:spPr/>
+        <p:txBody>
+          <a:bodyPr/>
+          <a:lstStyle/>
+          <a:p>
+            <a:endParaRPr lang="en-US" dirty="0"/>
+          </a:p>
+        </p:txBody>
+      </p:sp>
+      <p:sp>
+        <p:nvSpPr>
+          <p:cNvPr id="4" name="Slide Number Placeholder 3"/>
+          <p:cNvSpPr>
+            <a:spLocks noGrp="1"/>
+          </p:cNvSpPr>
+          <p:nvPr>
+            <p:ph type="sldNum" sz="quarter" idx="10"/>
+          </p:nvPr>
+        </p:nvSpPr>
+        <p:spPr/>
+        <p:txBody>
+          <a:bodyPr/>
+          <a:lstStyle/>
+          <a:p>
+            <a:fld id="{B444FF18-A361-3245-9FB5-5FF826C8226B}" type="slidenum">
+              <a:rPr lang="en-US" smtClean="0"/>
+              <a:t>2</a:t>
+            </a:fld>
+            <a:endParaRPr lang="en-US"/>
+          </a:p>
+        </p:txBody>
+      </p:sp>
+    </p:spTree>
+    <p:extLst>
+      <p:ext uri="{BB962C8B-B14F-4D97-AF65-F5344CB8AC3E}">
+        <p14:creationId xmlns:p14="http://schemas.microsoft.com/office/powerpoint/2010/main" val="1930212381"/>
+      </p:ext>
+    </p:extLst>
+  </p:cSld>
+  <p:clrMapOvr>
+    <a:masterClrMapping/>
+  </p:clrMapOvr>
+</p:notes>
+</file>
+
+<file path=ppt/notesSlides/notesSlide2.xml><?xml version="1.0" encoding="utf-8"?>
+<p:notes xmlns:a="http://schemas.openxmlformats.org/drawingml/2006/main" xmlns:r="http://schemas.openxmlformats.org/officeDocument/2006/relationships" xmlns:p="http://schemas.openxmlformats.org/presentationml/2006/main">
+  <p:cSld>
+    <p:spTree>
+      <p:nvGrpSpPr>
+        <p:cNvPr id="1" name=""/>
+        <p:cNvGrpSpPr/>
+        <p:nvPr/>
+      </p:nvGrpSpPr>
+      <p:grpSpPr>
+        <a:xfrm>
+          <a:off x="0" y="0"/>
+          <a:ext cx="0" cy="0"/>
+          <a:chOff x="0" y="0"/>
+          <a:chExt cx="0" cy="0"/>
+        </a:xfrm>
+      </p:grpSpPr>
+      <p:sp>
+        <p:nvSpPr>
+          <p:cNvPr id="2" name="Slide Image Placeholder 1"/>
+          <p:cNvSpPr>
+            <a:spLocks noGrp="1" noRot="1" noChangeAspect="1"/>
+          </p:cNvSpPr>
+          <p:nvPr>
+            <p:ph type="sldImg"/>
+          </p:nvPr>
+        </p:nvSpPr>
+        <p:spPr/>
+      </p:sp>
+      <p:sp>
+        <p:nvSpPr>
+          <p:cNvPr id="3" name="Notes Placeholder 2"/>
+          <p:cNvSpPr>
+            <a:spLocks noGrp="1"/>
+          </p:cNvSpPr>
+          <p:nvPr>
+            <p:ph type="body" idx="1"/>
+          </p:nvPr>
+        </p:nvSpPr>
+        <p:spPr/>
+        <p:txBody>
+          <a:bodyPr/>
+          <a:lstStyle/>
+          <a:p>
+            <a:endParaRPr lang="en-US" dirty="0"/>
+          </a:p>
+        </p:txBody>
+      </p:sp>
+      <p:sp>
+        <p:nvSpPr>
+          <p:cNvPr id="4" name="Slide Number Placeholder 3"/>
+          <p:cNvSpPr>
+            <a:spLocks noGrp="1"/>
+          </p:cNvSpPr>
+          <p:nvPr>
+            <p:ph type="sldNum" sz="quarter" idx="10"/>
+          </p:nvPr>
+        </p:nvSpPr>
+        <p:spPr/>
+        <p:txBody>
+          <a:bodyPr/>
+          <a:lstStyle/>
+          <a:p>
+            <a:fld id="{B444FF18-A361-3245-9FB5-5FF826C8226B}" type="slidenum">
+              <a:rPr lang="en-US" smtClean="0"/>
+              <a:t>4</a:t>
+            </a:fld>
+            <a:endParaRPr lang="en-US"/>
+          </a:p>
+        </p:txBody>
+      </p:sp>
+    </p:spTree>
+    <p:extLst>
+      <p:ext uri="{BB962C8B-B14F-4D97-AF65-F5344CB8AC3E}">
+        <p14:creationId xmlns:p14="http://schemas.microsoft.com/office/powerpoint/2010/main" val="1253653650"/>
+      </p:ext>
+    </p:extLst>
+  </p:cSld>
+  <p:clrMapOvr>
+    <a:masterClrMapping/>
+  </p:clrMapOvr>
+</p:notes>
 </file>
 
 <file path=ppt/slideLayouts/slideLayout1.xml><?xml version="1.0" encoding="utf-8"?>
@@ -5451,21 +5988,36 @@
             </a:r>
             <a:r>
               <a:rPr lang="en-US" dirty="0" smtClean="0"/>
-              <a:t> that allows you to automate the </a:t>
-            </a:r>
-            <a:r>
-              <a:rPr lang="en-US" dirty="0" err="1" smtClean="0"/>
-              <a:t>provisoning</a:t>
+              <a:t> that </a:t>
             </a:r>
             <a:r>
               <a:rPr lang="en-US" dirty="0" smtClean="0"/>
-              <a:t> of environments so that you can quickly provide consistent and disposable systems.  This reduces spin up time for new resources,  and eliminates problems with unique (hand built) environments</a:t>
-            </a:r>
-          </a:p>
-          <a:p>
+              <a:t>automates provisioning environments to provide </a:t>
+            </a:r>
             <a:r>
               <a:rPr lang="en-US" dirty="0" smtClean="0"/>
-              <a:t>In essence,  is a wrapper for virtualization engines such as </a:t>
+              <a:t>consistent and disposable </a:t>
+            </a:r>
+            <a:r>
+              <a:rPr lang="en-US" dirty="0" smtClean="0"/>
+              <a:t>systems</a:t>
+            </a:r>
+          </a:p>
+          <a:p>
+            <a:r>
+              <a:rPr lang="en-US" dirty="0" smtClean="0"/>
+              <a:t>Reduces developer onboarding time and encourages consistent build environments</a:t>
+            </a:r>
+            <a:endParaRPr lang="en-US" dirty="0" smtClean="0"/>
+          </a:p>
+          <a:p>
+            <a:r>
+              <a:rPr lang="en-US" dirty="0" smtClean="0"/>
+              <a:t>Serves as a wrapper for common virtualization </a:t>
+            </a:r>
+            <a:r>
+              <a:rPr lang="en-US" dirty="0" smtClean="0"/>
+              <a:t>engines such as </a:t>
             </a:r>
             <a:r>
               <a:rPr lang="en-US" dirty="0" err="1" smtClean="0"/>
@@ -5477,43 +6029,17 @@
             </a:r>
             <a:r>
               <a:rPr lang="en-US" dirty="0" err="1" smtClean="0"/>
-              <a:t>VMWare</a:t>
+              <a:t>ESXi</a:t>
             </a:r>
             <a:r>
               <a:rPr lang="en-US" dirty="0" smtClean="0"/>
-              <a:t>, </a:t>
-            </a:r>
-            <a:r>
-              <a:rPr lang="en-US" dirty="0" err="1" smtClean="0"/>
-              <a:t>Docker</a:t>
-            </a:r>
+              <a:t>, and Hyper-V.</a:t>
+            </a:r>
+          </a:p>
+          <a:p>
             <a:r>
               <a:rPr lang="en-US" dirty="0" smtClean="0"/>
-              <a:t>, Hyper-V.  Additional providers are available via a modular plugin system (</a:t>
-            </a:r>
-            <a:r>
-              <a:rPr lang="en-US" dirty="0" err="1" smtClean="0"/>
-              <a:t>Xen</a:t>
-            </a:r>
-            <a:r>
-              <a:rPr lang="en-US" dirty="0" smtClean="0"/>
-              <a:t>, AWS, </a:t>
-            </a:r>
-            <a:r>
-              <a:rPr lang="en-US" dirty="0" err="1" smtClean="0"/>
-              <a:t>RackSpace</a:t>
-            </a:r>
-            <a:r>
-              <a:rPr lang="en-US" dirty="0" smtClean="0"/>
-              <a:t>, </a:t>
-            </a:r>
-            <a:r>
-              <a:rPr lang="en-US" dirty="0" err="1" smtClean="0"/>
-              <a:t>etc</a:t>
-            </a:r>
-            <a:r>
-              <a:rPr lang="en-US" dirty="0" smtClean="0"/>
-              <a:t>)</a:t>
+              <a:t>Plugin-based system allows for extension and expansion of common deployment and configuration management tools</a:t>
             </a:r>
             <a:endParaRPr lang="en-US" dirty="0"/>
           </a:p>
@@ -5561,8 +6087,8 @@
         </p:nvSpPr>
         <p:spPr>
           <a:xfrm>
-            <a:off x="415925" y="959759"/>
-            <a:ext cx="8308975" cy="1143000"/>
+            <a:off x="415924" y="1403498"/>
+            <a:ext cx="8308975" cy="552892"/>
           </a:xfrm>
         </p:spPr>
         <p:txBody>
@@ -5589,43 +6115,75 @@
         </p:nvSpPr>
         <p:spPr>
           <a:xfrm>
-            <a:off x="415925" y="2521948"/>
-            <a:ext cx="8308975" cy="3856303"/>
+            <a:off x="415925" y="2658141"/>
+            <a:ext cx="8308975" cy="3806454"/>
           </a:xfrm>
         </p:spPr>
         <p:txBody>
           <a:bodyPr>
-            <a:normAutofit fontScale="92500"/>
+            <a:normAutofit/>
           </a:bodyPr>
           <a:lstStyle/>
           <a:p>
             <a:r>
-              <a:rPr lang="en-US" dirty="0" smtClean="0"/>
-              <a:t>Reduces the issues around writing and testing code on one platform, and deploying and running in QA/Production environments on another.  An example would be developing code on a Windows or Mac development machine, and then deploying to a AWS Linux environment.</a:t>
-            </a:r>
-          </a:p>
-          <a:p>
-            <a:r>
-              <a:rPr lang="en-US" dirty="0" smtClean="0"/>
-              <a:t>Version pinning of underlying components.  Makes it easy to ensure versions of stack components match the versions they will execute against in other environments.  Version upgrade installations become trivial, and easily enforceable</a:t>
-            </a:r>
-          </a:p>
-          <a:p>
-            <a:r>
-              <a:rPr lang="en-US" dirty="0" smtClean="0"/>
-              <a:t>Development environments become easily </a:t>
-            </a:r>
-            <a:r>
-              <a:rPr lang="en-US" dirty="0" err="1" smtClean="0"/>
-              <a:t>managable</a:t>
-            </a:r>
-            <a:r>
-              <a:rPr lang="en-US" dirty="0" smtClean="0"/>
-              <a:t>, and distributable, and configurations and installation can be bundled with the application code.  Setup time for new resources is minimized as manual steps are mostly eliminated. </a:t>
-            </a:r>
-          </a:p>
-          <a:p>
-            <a:endParaRPr lang="en-US" dirty="0"/>
+              <a:rPr lang="en-US" sz="1600" dirty="0" smtClean="0"/>
+              <a:t>Ensures consistently deployable code by unifying developer environments and production environments.</a:t>
+            </a:r>
+          </a:p>
+          <a:p>
+            <a:pPr lvl="1"/>
+            <a:r>
+              <a:rPr lang="en-US" sz="1600" dirty="0" smtClean="0"/>
+              <a:t>Developers can build on development workstation platforms of their choice</a:t>
+            </a:r>
+          </a:p>
+          <a:p>
+            <a:pPr lvl="1"/>
+            <a:r>
+              <a:rPr lang="en-US" sz="1600" dirty="0"/>
+              <a:t>A</a:t>
+            </a:r>
+            <a:r>
+              <a:rPr lang="en-US" sz="1600" dirty="0" smtClean="0"/>
+              <a:t>dministrators and operators define the infrastructure and applications within the guest system</a:t>
+            </a:r>
+          </a:p>
+          <a:p>
+            <a:r>
+              <a:rPr lang="en-US" sz="1600" dirty="0" smtClean="0"/>
+              <a:t>Removes </a:t>
+            </a:r>
+            <a:r>
+              <a:rPr lang="en-US" sz="1600" dirty="0" smtClean="0"/>
+              <a:t>version control of system applications and dependencies from the host OS</a:t>
+            </a:r>
+          </a:p>
+          <a:p>
+            <a:pPr lvl="1"/>
+            <a:r>
+              <a:rPr lang="en-US" sz="1600" dirty="0" smtClean="0"/>
+              <a:t>Avoids modifications to host operating system languages and runtimes.</a:t>
+            </a:r>
+          </a:p>
+          <a:p>
+            <a:pPr lvl="1"/>
+            <a:r>
+              <a:rPr lang="en-US" sz="1600" dirty="0" smtClean="0"/>
+              <a:t>Allows developers to deploy dependencies without negatively impacting the workstation</a:t>
+            </a:r>
+          </a:p>
+          <a:p>
+            <a:pPr lvl="1"/>
+            <a:r>
+              <a:rPr lang="en-US" sz="1600" dirty="0" smtClean="0"/>
+              <a:t>Dependency versions are easily pinned and gated</a:t>
+            </a:r>
+          </a:p>
+          <a:p>
+            <a:r>
+              <a:rPr lang="en-US" sz="1600" dirty="0" smtClean="0"/>
+              <a:t>Allows a development environment to be committed as code for use and contribution to as a team</a:t>
+            </a:r>
           </a:p>
         </p:txBody>
       </p:sp>
@@ -5695,13 +6253,28 @@
         <p:spPr/>
         <p:txBody>
           <a:bodyPr>
-            <a:normAutofit fontScale="92500" lnSpcReduction="20000"/>
+            <a:normAutofit fontScale="62500" lnSpcReduction="20000"/>
           </a:bodyPr>
           <a:lstStyle/>
           <a:p>
             <a:r>
               <a:rPr lang="en-US" dirty="0" smtClean="0"/>
-              <a:t>Multiple “providers” -  Providers are the containers the environments are housed in.  Native support for </a:t>
+              <a:t>Supports multiple virtualization providers used in cloud-based and </a:t>
+            </a:r>
+            <a:r>
+              <a:rPr lang="en-US" dirty="0" err="1" smtClean="0"/>
+              <a:t>on-premise</a:t>
+            </a:r>
+            <a:r>
+              <a:rPr lang="en-US" dirty="0" smtClean="0"/>
+              <a:t> data centers</a:t>
+            </a:r>
+          </a:p>
+          <a:p>
+            <a:pPr lvl="1"/>
+            <a:r>
+              <a:rPr lang="en-US" dirty="0" smtClean="0"/>
+              <a:t>Local: </a:t>
             </a:r>
             <a:r>
               <a:rPr lang="en-US" dirty="0" err="1" smtClean="0"/>
@@ -5709,124 +6282,141 @@
             </a:r>
             <a:r>
               <a:rPr lang="en-US" dirty="0" smtClean="0"/>
-              <a:t>, Hyper-V, and </a:t>
+              <a:t>, VMWare Workstation</a:t>
+            </a:r>
+          </a:p>
+          <a:p>
+            <a:pPr lvl="1"/>
+            <a:r>
+              <a:rPr lang="en-US" dirty="0" smtClean="0"/>
+              <a:t>On-Premise: </a:t>
             </a:r>
             <a:r>
               <a:rPr lang="en-US" dirty="0" err="1" smtClean="0"/>
+              <a:t>ESXi</a:t>
+            </a:r>
+            <a:r>
+              <a:rPr lang="en-US" dirty="0" smtClean="0"/>
+              <a:t>, Hyper-V, </a:t>
+            </a:r>
+            <a:r>
+              <a:rPr lang="en-US" dirty="0" err="1" smtClean="0"/>
+              <a:t>Xen</a:t>
+            </a:r>
+            <a:endParaRPr lang="en-US" dirty="0" smtClean="0"/>
+          </a:p>
+          <a:p>
+            <a:pPr lvl="1"/>
+            <a:r>
+              <a:rPr lang="en-US" dirty="0" smtClean="0"/>
+              <a:t>Cloud-based: AWS, Digital Ocean</a:t>
+            </a:r>
+          </a:p>
+          <a:p>
+            <a:r>
+              <a:rPr lang="en-US" dirty="0"/>
+              <a:t>Support for many configuration management </a:t>
+            </a:r>
+            <a:r>
+              <a:rPr lang="en-US" dirty="0" err="1"/>
+              <a:t>provisioners</a:t>
+            </a:r>
+            <a:r>
+              <a:rPr lang="en-US" dirty="0"/>
+              <a:t>:</a:t>
+            </a:r>
+          </a:p>
+          <a:p>
+            <a:pPr lvl="1"/>
+            <a:r>
+              <a:rPr lang="en-US" dirty="0"/>
+              <a:t>Chef, Puppet, </a:t>
+            </a:r>
+            <a:r>
+              <a:rPr lang="en-US" dirty="0" err="1"/>
+              <a:t>Ansible</a:t>
+            </a:r>
+            <a:r>
+              <a:rPr lang="en-US" dirty="0"/>
+              <a:t>, Shell, </a:t>
+            </a:r>
+            <a:r>
+              <a:rPr lang="en-US" dirty="0" err="1"/>
               <a:t>Docker</a:t>
             </a:r>
             <a:r>
+              <a:rPr lang="en-US" dirty="0"/>
+              <a:t>, </a:t>
+            </a:r>
+            <a:r>
+              <a:rPr lang="en-US" dirty="0" err="1" smtClean="0"/>
+              <a:t>CFEngine</a:t>
+            </a:r>
+            <a:endParaRPr lang="en-US" dirty="0" smtClean="0"/>
+          </a:p>
+          <a:p>
+            <a:r>
               <a:rPr lang="en-US" dirty="0" smtClean="0"/>
-              <a:t>,  with many other providers available via plug-ins</a:t>
-            </a:r>
-          </a:p>
-          <a:p>
+              <a:t>Modular plugin </a:t>
+            </a:r>
             <a:r>
               <a:rPr lang="en-US" dirty="0" smtClean="0"/>
-              <a:t>Modular plug-in system – Very large list of community driven plugins to extend capabilities </a:t>
-            </a:r>
-            <a:r>
-              <a:rPr lang="en-US" dirty="0"/>
-              <a:t>of vagrant. </a:t>
+              <a:t>system </a:t>
             </a:r>
             <a:r>
               <a:rPr lang="en-US" dirty="0" smtClean="0"/>
-              <a:t/>
-            </a:r>
-            <a:br>
+              <a:t>provides a wide variety of community-source capabilities to extend Vagrant’s usefulness</a:t>
+            </a:r>
+            <a:endParaRPr lang="en-US" dirty="0"/>
+          </a:p>
+          <a:p>
+            <a:pPr lvl="1"/>
+            <a:r>
               <a:rPr lang="en-US" dirty="0" smtClean="0"/>
-            </a:br>
-            <a:r>
-              <a:rPr lang="en-US" dirty="0" smtClean="0">
-                <a:hlinkClick r:id="rId2"/>
-              </a:rPr>
-              <a:t>https</a:t>
-            </a:r>
-            <a:r>
-              <a:rPr lang="en-US" dirty="0">
-                <a:hlinkClick r:id="rId2"/>
-              </a:rPr>
-              <a:t>://github.com/mitchellh/vagrant/wiki/Available-Vagrant-</a:t>
-            </a:r>
-            <a:r>
-              <a:rPr lang="en-US" dirty="0" smtClean="0">
-                <a:hlinkClick r:id="rId2"/>
-              </a:rPr>
-              <a:t>Plugins</a:t>
-            </a:r>
-            <a:endParaRPr lang="en-US" dirty="0" smtClean="0"/>
-          </a:p>
-          <a:p>
-            <a:r>
-              <a:rPr lang="en-US" dirty="0" smtClean="0"/>
-              <a:t>Support for multiple </a:t>
+              <a:t>Most commonly used to support additional providers and </a:t>
             </a:r>
             <a:r>
               <a:rPr lang="en-US" dirty="0" err="1" smtClean="0"/>
               <a:t>provisioners</a:t>
             </a:r>
+            <a:endParaRPr lang="en-US" dirty="0" smtClean="0"/>
+          </a:p>
+          <a:p>
             <a:r>
               <a:rPr lang="en-US" dirty="0" smtClean="0"/>
-              <a:t> – Chef, Puppet, </a:t>
-            </a:r>
-            <a:r>
-              <a:rPr lang="en-US" dirty="0" err="1" smtClean="0"/>
-              <a:t>Ansible</a:t>
-            </a:r>
+              <a:t>Supports sharing between the host and the guest.</a:t>
+            </a:r>
+          </a:p>
+          <a:p>
+            <a:pPr lvl="1"/>
             <a:r>
               <a:rPr lang="en-US" dirty="0" smtClean="0"/>
-              <a:t>, Shell/File, </a:t>
-            </a:r>
-            <a:r>
-              <a:rPr lang="en-US" dirty="0" err="1" smtClean="0"/>
-              <a:t>Docker</a:t>
-            </a:r>
+              <a:t>No code deployment required to test changes. Write locally and test locally</a:t>
+            </a:r>
+          </a:p>
+          <a:p>
+            <a:pPr lvl="1"/>
             <a:r>
               <a:rPr lang="en-US" dirty="0" smtClean="0"/>
-              <a:t>, </a:t>
-            </a:r>
-            <a:r>
-              <a:rPr lang="en-US" dirty="0" err="1" smtClean="0"/>
-              <a:t>CFEngine</a:t>
-            </a:r>
-            <a:endParaRPr lang="en-US" dirty="0" smtClean="0"/>
+              <a:t>Allows developers to use their favorite development tools</a:t>
+            </a:r>
           </a:p>
           <a:p>
             <a:r>
               <a:rPr lang="en-US" dirty="0" smtClean="0"/>
-              <a:t>Support for sharing between host/guest machines.  Available via </a:t>
-            </a:r>
-            <a:r>
-              <a:rPr lang="en-US" dirty="0" err="1" smtClean="0"/>
-              <a:t>rsync</a:t>
+              <a:t>Encapsulates development environment configuration within a single file that can be extended (</a:t>
+            </a:r>
+            <a:r>
+              <a:rPr lang="en-US" dirty="0" err="1" smtClean="0">
+                <a:latin typeface="Courier New" charset="0"/>
+                <a:ea typeface="Courier New" charset="0"/>
+                <a:cs typeface="Courier New" charset="0"/>
+              </a:rPr>
+              <a:t>Vagrantfile</a:t>
             </a:r>
             <a:r>
               <a:rPr lang="en-US" dirty="0" smtClean="0"/>
-              <a:t>, </a:t>
-            </a:r>
-            <a:r>
-              <a:rPr lang="en-US" dirty="0" err="1" smtClean="0"/>
-              <a:t>nfs</a:t>
-            </a:r>
-            <a:r>
-              <a:rPr lang="en-US" dirty="0" smtClean="0"/>
-              <a:t>, </a:t>
-            </a:r>
-            <a:r>
-              <a:rPr lang="en-US" dirty="0" err="1" smtClean="0"/>
-              <a:t>etc</a:t>
-            </a:r>
-            <a:r>
-              <a:rPr lang="en-US" dirty="0" smtClean="0"/>
-              <a:t> so you can use outside tools to manage your shared resources (example would be using ATOM on your </a:t>
-            </a:r>
-            <a:r>
-              <a:rPr lang="en-US" dirty="0" err="1" smtClean="0"/>
-              <a:t>Macbook</a:t>
-            </a:r>
-            <a:r>
-              <a:rPr lang="en-US" dirty="0" smtClean="0"/>
-              <a:t> to edit/modify your code)</a:t>
+              <a:t>)</a:t>
             </a:r>
             <a:endParaRPr lang="en-US" dirty="0"/>
           </a:p>
@@ -5898,29 +6488,49 @@
         <p:spPr/>
         <p:txBody>
           <a:bodyPr>
-            <a:normAutofit fontScale="85000" lnSpcReduction="10000"/>
+            <a:normAutofit fontScale="92500" lnSpcReduction="20000"/>
           </a:bodyPr>
           <a:lstStyle/>
           <a:p>
             <a:r>
+              <a:rPr lang="en-US" dirty="0">
+                <a:latin typeface="Courier New" charset="0"/>
+                <a:ea typeface="Courier New" charset="0"/>
+                <a:cs typeface="Courier New" charset="0"/>
+              </a:rPr>
+              <a:t>v</a:t>
+            </a:r>
+            <a:r>
+              <a:rPr lang="en-US" dirty="0" smtClean="0">
+                <a:latin typeface="Courier New" charset="0"/>
+                <a:ea typeface="Courier New" charset="0"/>
+                <a:cs typeface="Courier New" charset="0"/>
+              </a:rPr>
+              <a:t>agrant </a:t>
+            </a:r>
+            <a:r>
+              <a:rPr lang="en-US" dirty="0" err="1" smtClean="0">
+                <a:latin typeface="Courier New" charset="0"/>
+                <a:ea typeface="Courier New" charset="0"/>
+                <a:cs typeface="Courier New" charset="0"/>
+              </a:rPr>
+              <a:t>init</a:t>
+            </a:r>
+            <a:r>
+              <a:rPr lang="en-US" dirty="0" smtClean="0">
+                <a:latin typeface="Courier New" charset="0"/>
+                <a:ea typeface="Courier New" charset="0"/>
+                <a:cs typeface="Courier New" charset="0"/>
+              </a:rPr>
+              <a:t> [box]</a:t>
+            </a:r>
+            <a:endParaRPr lang="en-US" dirty="0"/>
+          </a:p>
+          <a:p>
+            <a:pPr lvl="1"/>
+            <a:r>
               <a:rPr lang="en-US" dirty="0" smtClean="0"/>
-              <a:t>Vagrant </a:t>
-            </a:r>
-            <a:r>
-              <a:rPr lang="en-US" dirty="0" err="1" smtClean="0"/>
-              <a:t>init</a:t>
-            </a:r>
-            <a:r>
-              <a:rPr lang="en-US" dirty="0" smtClean="0"/>
-              <a:t> [box] - </a:t>
-            </a:r>
-            <a:r>
-              <a:rPr lang="en-US" dirty="0" err="1" smtClean="0"/>
-              <a:t>Intializes</a:t>
-            </a:r>
-            <a:r>
-              <a:rPr lang="en-US" dirty="0" smtClean="0"/>
-              <a:t> a directory for use by vagrant, and creates a minimal and basic </a:t>
+              <a:t>Creates a basic </a:t>
             </a:r>
             <a:r>
               <a:rPr lang="en-US" dirty="0" err="1" smtClean="0"/>
@@ -5928,55 +6538,109 @@
             </a:r>
             <a:r>
               <a:rPr lang="en-US" dirty="0" smtClean="0"/>
-              <a:t> that will launch a virtual environment, using the root directory as a shared directory between the host and guest</a:t>
-            </a:r>
-          </a:p>
-          <a:p>
+              <a:t> in the local directory if one does not already exist</a:t>
+            </a:r>
+          </a:p>
+          <a:p>
+            <a:pPr lvl="1"/>
             <a:r>
               <a:rPr lang="en-US" dirty="0" smtClean="0"/>
-              <a:t>Vagrant up – Used to start vagrant in a configured directory, and start the guest instance. This will run the </a:t>
+              <a:t>Optionally define a name for that box.</a:t>
+            </a:r>
+            <a:endParaRPr lang="en-US" dirty="0" smtClean="0"/>
+          </a:p>
+          <a:p>
+            <a:r>
+              <a:rPr lang="en-US" dirty="0" smtClean="0">
+                <a:latin typeface="Courier New" charset="0"/>
+                <a:ea typeface="Courier New" charset="0"/>
+                <a:cs typeface="Courier New" charset="0"/>
+              </a:rPr>
+              <a:t>vagrant up</a:t>
+            </a:r>
+          </a:p>
+          <a:p>
+            <a:pPr lvl="1"/>
+            <a:r>
+              <a:rPr lang="en-US" dirty="0" smtClean="0"/>
+              <a:t>Creates and starts a new virtual machine and builds it in accordance with the contents of the </a:t>
             </a:r>
             <a:r>
               <a:rPr lang="en-US" dirty="0" err="1" smtClean="0"/>
-              <a:t>provisioners</a:t>
-            </a:r>
+              <a:t>Vagrantfile</a:t>
+            </a:r>
+            <a:endParaRPr lang="en-US" dirty="0" smtClean="0"/>
+          </a:p>
+          <a:p>
+            <a:r>
+              <a:rPr lang="en-US" dirty="0">
+                <a:latin typeface="Courier New" charset="0"/>
+                <a:ea typeface="Courier New" charset="0"/>
+                <a:cs typeface="Courier New" charset="0"/>
+              </a:rPr>
+              <a:t>v</a:t>
+            </a:r>
+            <a:r>
+              <a:rPr lang="en-US" dirty="0" smtClean="0">
+                <a:latin typeface="Courier New" charset="0"/>
+                <a:ea typeface="Courier New" charset="0"/>
+                <a:cs typeface="Courier New" charset="0"/>
+              </a:rPr>
+              <a:t>agrant package</a:t>
+            </a:r>
+          </a:p>
+          <a:p>
+            <a:pPr lvl="1"/>
             <a:r>
               <a:rPr lang="en-US" dirty="0" smtClean="0"/>
-              <a:t> to configure the environment</a:t>
-            </a:r>
-          </a:p>
-          <a:p>
+              <a:t>Creates a portable virtual machine image that can be shared amongst team members</a:t>
+            </a:r>
+            <a:endParaRPr lang="en-US" dirty="0" smtClean="0"/>
+          </a:p>
+          <a:p>
+            <a:r>
+              <a:rPr lang="en-US" dirty="0">
+                <a:latin typeface="Courier New" charset="0"/>
+                <a:ea typeface="Courier New" charset="0"/>
+                <a:cs typeface="Courier New" charset="0"/>
+              </a:rPr>
+              <a:t>v</a:t>
+            </a:r>
+            <a:r>
+              <a:rPr lang="en-US" dirty="0" smtClean="0">
+                <a:latin typeface="Courier New" charset="0"/>
+                <a:ea typeface="Courier New" charset="0"/>
+                <a:cs typeface="Courier New" charset="0"/>
+              </a:rPr>
+              <a:t>agrant </a:t>
+            </a:r>
+            <a:r>
+              <a:rPr lang="en-US" dirty="0" err="1" smtClean="0">
+                <a:latin typeface="Courier New" charset="0"/>
+                <a:ea typeface="Courier New" charset="0"/>
+                <a:cs typeface="Courier New" charset="0"/>
+              </a:rPr>
+              <a:t>ssh</a:t>
+            </a:r>
+            <a:r>
+              <a:rPr lang="en-US" dirty="0" smtClean="0">
+                <a:latin typeface="Courier New" charset="0"/>
+                <a:ea typeface="Courier New" charset="0"/>
+                <a:cs typeface="Courier New" charset="0"/>
+              </a:rPr>
+              <a:t> [box]</a:t>
+            </a:r>
+            <a:endParaRPr lang="en-US" dirty="0">
+              <a:latin typeface="Courier New" charset="0"/>
+              <a:ea typeface="Courier New" charset="0"/>
+              <a:cs typeface="Courier New" charset="0"/>
+            </a:endParaRPr>
+          </a:p>
+          <a:p>
+            <a:pPr lvl="1"/>
             <a:r>
               <a:rPr lang="en-US" dirty="0" smtClean="0"/>
-              <a:t>Vagrant halt – Stops running vagrant instance</a:t>
-            </a:r>
-          </a:p>
-          <a:p>
-            <a:r>
-              <a:rPr lang="en-US" dirty="0" smtClean="0"/>
-              <a:t>Vagrant package – Creates a new vagrant box based on a running vagrant instance</a:t>
-            </a:r>
-          </a:p>
-          <a:p>
-            <a:r>
-              <a:rPr lang="en-US" dirty="0" smtClean="0"/>
-              <a:t>Vagrant </a:t>
-            </a:r>
-            <a:r>
-              <a:rPr lang="en-US" dirty="0" err="1" smtClean="0"/>
-              <a:t>ssh</a:t>
-            </a:r>
-            <a:r>
-              <a:rPr lang="en-US" dirty="0" smtClean="0"/>
-              <a:t> – Connect to a running vagrant instance.  Vagrant will manage the keys for you.  On windows, you will need an </a:t>
-            </a:r>
-            <a:r>
-              <a:rPr lang="en-US" dirty="0" err="1" smtClean="0"/>
-              <a:t>openssh</a:t>
-            </a:r>
-            <a:r>
-              <a:rPr lang="en-US" dirty="0" smtClean="0"/>
-              <a:t> client installed for this to work, or you will need to use putty to connect to your running instance typically</a:t>
+              <a:t>Connect to the Vagrant box running with the specified name (if more than one)</a:t>
             </a:r>
             <a:endParaRPr lang="en-US" dirty="0"/>
           </a:p>
@@ -6055,17 +6719,22 @@
           <a:p>
             <a:r>
               <a:rPr lang="en-US" dirty="0" smtClean="0"/>
-              <a:t>Vagrant </a:t>
-            </a:r>
-            <a:r>
-              <a:rPr lang="en-US" dirty="0"/>
-              <a:t>site - </a:t>
+              <a:t>Vagrant:</a:t>
+            </a:r>
+          </a:p>
+          <a:p>
+            <a:pPr lvl="1"/>
+            <a:r>
+              <a:rPr lang="en-US" dirty="0" smtClean="0">
+                <a:hlinkClick r:id="rId2"/>
+              </a:rPr>
+              <a:t>https</a:t>
             </a:r>
             <a:r>
               <a:rPr lang="en-US" dirty="0">
                 <a:hlinkClick r:id="rId2"/>
               </a:rPr>
-              <a:t>https://</a:t>
+              <a:t>://</a:t>
             </a:r>
             <a:r>
               <a:rPr lang="en-US" dirty="0" smtClean="0">
@@ -6078,17 +6747,23 @@
           <a:p>
             <a:r>
               <a:rPr lang="en-US" dirty="0" err="1" smtClean="0"/>
-              <a:t>Virtualbox</a:t>
-            </a:r>
-            <a:r>
-              <a:rPr lang="en-US" dirty="0"/>
-              <a:t> - </a:t>
+              <a:t>VirtualBox</a:t>
+            </a:r>
+            <a:endParaRPr lang="en-US" dirty="0"/>
+          </a:p>
+          <a:p>
+            <a:pPr lvl="1"/>
+            <a:r>
+              <a:rPr lang="en-US" dirty="0" smtClean="0">
+                <a:hlinkClick r:id="rId3"/>
+              </a:rPr>
+              <a:t>https</a:t>
             </a:r>
             <a:r>
               <a:rPr lang="en-US" dirty="0">
                 <a:hlinkClick r:id="rId3"/>
               </a:rPr>
-              <a:t>https://www.virtualbox.org/wiki/</a:t>
+              <a:t>://www.virtualbox.org/wiki/</a:t>
             </a:r>
             <a:r>
               <a:rPr lang="en-US" dirty="0" smtClean="0">
@@ -6101,17 +6776,22 @@
           <a:p>
             <a:r>
               <a:rPr lang="en-US" dirty="0" smtClean="0"/>
-              <a:t>Vagrant </a:t>
-            </a:r>
-            <a:r>
-              <a:rPr lang="en-US" dirty="0"/>
-              <a:t>plugin list - </a:t>
+              <a:t>Common plugins</a:t>
+            </a:r>
+          </a:p>
+          <a:p>
+            <a:pPr lvl="1"/>
+            <a:r>
+              <a:rPr lang="en-US" dirty="0" smtClean="0">
+                <a:hlinkClick r:id="rId4"/>
+              </a:rPr>
+              <a:t>https</a:t>
             </a:r>
             <a:r>
               <a:rPr lang="en-US" dirty="0">
                 <a:hlinkClick r:id="rId4"/>
               </a:rPr>
-              <a:t>https://github.com/mitchellh/vagrant/wiki/Available-Vagrant-</a:t>
+              <a:t>://github.com/mitchellh/vagrant/wiki/Available-Vagrant-</a:t>
             </a:r>
             <a:r>
               <a:rPr lang="en-US" dirty="0" smtClean="0">
@@ -6398,4 +7078,265 @@
   </a:objectDefaults>
   <a:extraClrSchemeLst/>
 </a:theme>
+</file>
+
+<file path=ppt/theme/theme2.xml><?xml version="1.0" encoding="utf-8"?>
+<a:theme xmlns:a="http://schemas.openxmlformats.org/drawingml/2006/main" name="Office Theme">
+  <a:themeElements>
+    <a:clrScheme name="Office">
+      <a:dk1>
+        <a:sysClr val="windowText" lastClr="000000"/>
+      </a:dk1>
+      <a:lt1>
+        <a:sysClr val="window" lastClr="FFFFFF"/>
+      </a:lt1>
+      <a:dk2>
+        <a:srgbClr val="44546A"/>
+      </a:dk2>
+      <a:lt2>
+        <a:srgbClr val="E7E6E6"/>
+      </a:lt2>
+      <a:accent1>
+        <a:srgbClr val="5B9BD5"/>
+      </a:accent1>
+      <a:accent2>
+        <a:srgbClr val="ED7D31"/>
+      </a:accent2>
+      <a:accent3>
+        <a:srgbClr val="A5A5A5"/>
+      </a:accent3>
+      <a:accent4>
+        <a:srgbClr val="FFC000"/>
+      </a:accent4>
+      <a:accent5>
+        <a:srgbClr val="4472C4"/>
+      </a:accent5>
+      <a:accent6>
+        <a:srgbClr val="70AD47"/>
+      </a:accent6>
+      <a:hlink>
+        <a:srgbClr val="0563C1"/>
+      </a:hlink>
+      <a:folHlink>
+        <a:srgbClr val="954F72"/>
+      </a:folHlink>
+    </a:clrScheme>
+    <a:fontScheme name="Office">
+      <a:majorFont>
+        <a:latin typeface="Calibri Light" panose="020F0302020204030204"/>
+        <a:ea typeface=""/>
+        <a:cs typeface=""/>
+        <a:font script="Jpan" typeface="ＭＳ Ｐゴシック"/>
+        <a:font script="Hang" typeface="맑은 고딕"/>
+        <a:font script="Hans" typeface="宋体"/>
+        <a:font script="Hant" typeface="新細明體"/>
+        <a:font script="Arab" typeface="Times New Roman"/>
+        <a:font script="Hebr" typeface="Times New Roman"/>
+        <a:font script="Thai" typeface="Angsana New"/>
+        <a:font script="Ethi" typeface="Nyala"/>
+        <a:font script="Beng" typeface="Vrinda"/>
+        <a:font script="Gujr" typeface="Shruti"/>
+        <a:font script="Khmr" typeface="MoolBoran"/>
+        <a:font script="Knda" typeface="Tunga"/>
+        <a:font script="Guru" typeface="Raavi"/>
+        <a:font script="Cans" typeface="Euphemia"/>
+        <a:font script="Cher" typeface="Plantagenet Cherokee"/>
+        <a:font script="Yiii" typeface="Microsoft Yi Baiti"/>
+        <a:font script="Tibt" typeface="Microsoft Himalaya"/>
+        <a:font script="Thaa" typeface="MV Boli"/>
+        <a:font script="Deva" typeface="Mangal"/>
+        <a:font script="Telu" typeface="Gautami"/>
+        <a:font script="Taml" typeface="Latha"/>
+        <a:font script="Syrc" typeface="Estrangelo Edessa"/>
+        <a:font script="Orya" typeface="Kalinga"/>
+        <a:font script="Mlym" typeface="Kartika"/>
+        <a:font script="Laoo" typeface="DokChampa"/>
+        <a:font script="Sinh" typeface="Iskoola Pota"/>
+        <a:font script="Mong" typeface="Mongolian Baiti"/>
+        <a:font script="Viet" typeface="Times New Roman"/>
+        <a:font script="Uigh" typeface="Microsoft Uighur"/>
+        <a:font script="Geor" typeface="Sylfaen"/>
+      </a:majorFont>
+      <a:minorFont>
+        <a:latin typeface="Calibri" panose="020F0502020204030204"/>
+        <a:ea typeface=""/>
+        <a:cs typeface=""/>
+        <a:font script="Jpan" typeface="ＭＳ Ｐゴシック"/>
+        <a:font script="Hang" typeface="맑은 고딕"/>
+        <a:font script="Hans" typeface="宋体"/>
+        <a:font script="Hant" typeface="新細明體"/>
+        <a:font script="Arab" typeface="Arial"/>
+        <a:font script="Hebr" typeface="Arial"/>
+        <a:font script="Thai" typeface="Cordia New"/>
+        <a:font script="Ethi" typeface="Nyala"/>
+        <a:font script="Beng" typeface="Vrinda"/>
+        <a:font script="Gujr" typeface="Shruti"/>
+        <a:font script="Khmr" typeface="DaunPenh"/>
+        <a:font script="Knda" typeface="Tunga"/>
+        <a:font script="Guru" typeface="Raavi"/>
+        <a:font script="Cans" typeface="Euphemia"/>
+        <a:font script="Cher" typeface="Plantagenet Cherokee"/>
+        <a:font script="Yiii" typeface="Microsoft Yi Baiti"/>
+        <a:font script="Tibt" typeface="Microsoft Himalaya"/>
+        <a:font script="Thaa" typeface="MV Boli"/>
+        <a:font script="Deva" typeface="Mangal"/>
+        <a:font script="Telu" typeface="Gautami"/>
+        <a:font script="Taml" typeface="Latha"/>
+        <a:font script="Syrc" typeface="Estrangelo Edessa"/>
+        <a:font script="Orya" typeface="Kalinga"/>
+        <a:font script="Mlym" typeface="Kartika"/>
+        <a:font script="Laoo" typeface="DokChampa"/>
+        <a:font script="Sinh" typeface="Iskoola Pota"/>
+        <a:font script="Mong" typeface="Mongolian Baiti"/>
+        <a:font script="Viet" typeface="Arial"/>
+        <a:font script="Uigh" typeface="Microsoft Uighur"/>
+        <a:font script="Geor" typeface="Sylfaen"/>
+      </a:minorFont>
+    </a:fontScheme>
+    <a:fmtScheme name="Office">
+      <a:fillStyleLst>
+        <a:solidFill>
+          <a:schemeClr val="phClr"/>
+        </a:solidFill>
+        <a:gradFill rotWithShape="1">
+          <a:gsLst>
+            <a:gs pos="0">
+              <a:schemeClr val="phClr">
+                <a:lumMod val="110000"/>
+                <a:satMod val="105000"/>
+                <a:tint val="67000"/>
+              </a:schemeClr>
+            </a:gs>
+            <a:gs pos="50000">
+              <a:schemeClr val="phClr">
+                <a:lumMod val="105000"/>
+                <a:satMod val="103000"/>
+                <a:tint val="73000"/>
+              </a:schemeClr>
+            </a:gs>
+            <a:gs pos="100000">
+              <a:schemeClr val="phClr">
+                <a:lumMod val="105000"/>
+                <a:satMod val="109000"/>
+                <a:tint val="81000"/>
+              </a:schemeClr>
+            </a:gs>
+          </a:gsLst>
+          <a:lin ang="5400000" scaled="0"/>
+        </a:gradFill>
+        <a:gradFill rotWithShape="1">
+          <a:gsLst>
+            <a:gs pos="0">
+              <a:schemeClr val="phClr">
+                <a:satMod val="103000"/>
+                <a:lumMod val="102000"/>
+                <a:tint val="94000"/>
+              </a:schemeClr>
+            </a:gs>
+            <a:gs pos="50000">
+              <a:schemeClr val="phClr">
+                <a:satMod val="110000"/>
+                <a:lumMod val="100000"/>
+                <a:shade val="100000"/>
+              </a:schemeClr>
+            </a:gs>
+            <a:gs pos="100000">
+              <a:schemeClr val="phClr">
+                <a:lumMod val="99000"/>
+                <a:satMod val="120000"/>
+                <a:shade val="78000"/>
+              </a:schemeClr>
+            </a:gs>
+          </a:gsLst>
+          <a:lin ang="5400000" scaled="0"/>
+        </a:gradFill>
+      </a:fillStyleLst>
+      <a:lnStyleLst>
+        <a:ln w="6350" cap="flat" cmpd="sng" algn="ctr">
+          <a:solidFill>
+            <a:schemeClr val="phClr"/>
+          </a:solidFill>
+          <a:prstDash val="solid"/>
+          <a:miter lim="800000"/>
+        </a:ln>
+        <a:ln w="12700" cap="flat" cmpd="sng" algn="ctr">
+          <a:solidFill>
+            <a:schemeClr val="phClr"/>
+          </a:solidFill>
+          <a:prstDash val="solid"/>
+          <a:miter lim="800000"/>
+        </a:ln>
+        <a:ln w="19050" cap="flat" cmpd="sng" algn="ctr">
+          <a:solidFill>
+            <a:schemeClr val="phClr"/>
+          </a:solidFill>
+          <a:prstDash val="solid"/>
+          <a:miter lim="800000"/>
+        </a:ln>
+      </a:lnStyleLst>
+      <a:effectStyleLst>
+        <a:effectStyle>
+          <a:effectLst/>
+        </a:effectStyle>
+        <a:effectStyle>
+          <a:effectLst/>
+        </a:effectStyle>
+        <a:effectStyle>
+          <a:effectLst>
+            <a:outerShdw blurRad="57150" dist="19050" dir="5400000" algn="ctr" rotWithShape="0">
+              <a:srgbClr val="000000">
+                <a:alpha val="63000"/>
+              </a:srgbClr>
+            </a:outerShdw>
+          </a:effectLst>
+        </a:effectStyle>
+      </a:effectStyleLst>
+      <a:bgFillStyleLst>
+        <a:solidFill>
+          <a:schemeClr val="phClr"/>
+        </a:solidFill>
+        <a:solidFill>
+          <a:schemeClr val="phClr">
+            <a:tint val="95000"/>
+            <a:satMod val="170000"/>
+          </a:schemeClr>
+        </a:solidFill>
+        <a:gradFill rotWithShape="1">
+          <a:gsLst>
+            <a:gs pos="0">
+              <a:schemeClr val="phClr">
+                <a:tint val="93000"/>
+                <a:satMod val="150000"/>
+                <a:shade val="98000"/>
+                <a:lumMod val="102000"/>
+              </a:schemeClr>
+            </a:gs>
+            <a:gs pos="50000">
+              <a:schemeClr val="phClr">
+                <a:tint val="98000"/>
+                <a:satMod val="130000"/>
+                <a:shade val="90000"/>
+                <a:lumMod val="103000"/>
+              </a:schemeClr>
+            </a:gs>
+            <a:gs pos="100000">
+              <a:schemeClr val="phClr">
+                <a:shade val="63000"/>
+                <a:satMod val="120000"/>
+              </a:schemeClr>
+            </a:gs>
+          </a:gsLst>
+          <a:lin ang="5400000" scaled="0"/>
+        </a:gradFill>
+      </a:bgFillStyleLst>
+    </a:fmtScheme>
+  </a:themeElements>
+  <a:objectDefaults/>
+  <a:extraClrSchemeLst/>
+  <a:extLst>
+    <a:ext uri="{05A4C25C-085E-4340-85A3-A5531E510DB2}">
+      <thm15:themeFamily xmlns:thm15="http://schemas.microsoft.com/office/thememl/2012/main" name="Office Theme" id="{62F939B6-93AF-4DB8-9C6B-D6C7DFDC589F}" vid="{4A3C46E8-61CC-4603-A589-7422A47A8E4A}"/>
+    </a:ext>
+  </a:extLst>
+</a:theme>
 </file>